--- a/TP/Soutenance.pptx
+++ b/TP/Soutenance.pptx
@@ -6,6 +6,12 @@
   </p:sldMasterIdLst>
   <p:sldIdLst>
     <p:sldId id="256" r:id="rId2"/>
+    <p:sldId id="257" r:id="rId3"/>
+    <p:sldId id="258" r:id="rId4"/>
+    <p:sldId id="259" r:id="rId5"/>
+    <p:sldId id="260" r:id="rId6"/>
+    <p:sldId id="261" r:id="rId7"/>
+    <p:sldId id="262" r:id="rId8"/>
   </p:sldIdLst>
   <p:sldSz cx="12192000" cy="6858000"/>
   <p:notesSz cx="6858000" cy="9144000"/>
@@ -12738,10 +12744,650 @@
           </a:p>
         </p:txBody>
       </p:sp>
+      <p:pic>
+        <p:nvPicPr>
+          <p:cNvPr id="1028" name="Picture 4" descr="http://connect.ed-diamond.com/var/diamond/storage/images/connect/gnu-linux-magazine/glmf-135/glpk-article/sac_a_dos3/182691-1-fre-FR/sac_a_dos1.jpg"/>
+          <p:cNvPicPr>
+            <a:picLocks noChangeAspect="1" noChangeArrowheads="1"/>
+          </p:cNvPicPr>
+          <p:nvPr/>
+        </p:nvPicPr>
+        <p:blipFill>
+          <a:blip r:embed="rId2">
+            <a:extLst>
+              <a:ext uri="{28A0092B-C50C-407E-A947-70E740481C1C}">
+                <a14:useLocalDpi xmlns:a14="http://schemas.microsoft.com/office/drawing/2010/main" val="0"/>
+              </a:ext>
+            </a:extLst>
+          </a:blip>
+          <a:srcRect/>
+          <a:stretch>
+            <a:fillRect/>
+          </a:stretch>
+        </p:blipFill>
+        <p:spPr bwMode="auto">
+          <a:xfrm>
+            <a:off x="9110384" y="1805315"/>
+            <a:ext cx="2622829" cy="2756710"/>
+          </a:xfrm>
+          <a:prstGeom prst="rect">
+            <a:avLst/>
+          </a:prstGeom>
+          <a:noFill/>
+          <a:extLst>
+            <a:ext uri="{909E8E84-426E-40DD-AFC4-6F175D3DCCD1}">
+              <a14:hiddenFill xmlns:a14="http://schemas.microsoft.com/office/drawing/2010/main">
+                <a:solidFill>
+                  <a:srgbClr val="FFFFFF"/>
+                </a:solidFill>
+              </a14:hiddenFill>
+            </a:ext>
+          </a:extLst>
+        </p:spPr>
+      </p:pic>
     </p:spTree>
     <p:extLst>
       <p:ext uri="{BB962C8B-B14F-4D97-AF65-F5344CB8AC3E}">
         <p14:creationId xmlns:p14="http://schemas.microsoft.com/office/powerpoint/2010/main" val="645873236"/>
+      </p:ext>
+    </p:extLst>
+  </p:cSld>
+  <p:clrMapOvr>
+    <a:masterClrMapping/>
+  </p:clrMapOvr>
+  <p:timing>
+    <p:tnLst>
+      <p:par>
+        <p:cTn id="1" dur="indefinite" restart="never" nodeType="tmRoot"/>
+      </p:par>
+    </p:tnLst>
+  </p:timing>
+</p:sld>
+</file>
+
+<file path=ppt/slides/slide2.xml><?xml version="1.0" encoding="utf-8"?>
+<p:sld xmlns:a="http://schemas.openxmlformats.org/drawingml/2006/main" xmlns:r="http://schemas.openxmlformats.org/officeDocument/2006/relationships" xmlns:p="http://schemas.openxmlformats.org/presentationml/2006/main">
+  <p:cSld>
+    <p:spTree>
+      <p:nvGrpSpPr>
+        <p:cNvPr id="1" name=""/>
+        <p:cNvGrpSpPr/>
+        <p:nvPr/>
+      </p:nvGrpSpPr>
+      <p:grpSpPr>
+        <a:xfrm>
+          <a:off x="0" y="0"/>
+          <a:ext cx="0" cy="0"/>
+          <a:chOff x="0" y="0"/>
+          <a:chExt cx="0" cy="0"/>
+        </a:xfrm>
+      </p:grpSpPr>
+      <p:sp>
+        <p:nvSpPr>
+          <p:cNvPr id="2" name="Titre 1"/>
+          <p:cNvSpPr>
+            <a:spLocks noGrp="1"/>
+          </p:cNvSpPr>
+          <p:nvPr>
+            <p:ph type="title"/>
+          </p:nvPr>
+        </p:nvSpPr>
+        <p:spPr/>
+        <p:txBody>
+          <a:bodyPr/>
+          <a:lstStyle/>
+          <a:p>
+            <a:r>
+              <a:rPr lang="fr-FR" dirty="0" smtClean="0"/>
+              <a:t>Sommaire</a:t>
+            </a:r>
+            <a:endParaRPr lang="en-GB" dirty="0"/>
+          </a:p>
+        </p:txBody>
+      </p:sp>
+      <p:sp>
+        <p:nvSpPr>
+          <p:cNvPr id="3" name="Espace réservé du contenu 2"/>
+          <p:cNvSpPr>
+            <a:spLocks noGrp="1"/>
+          </p:cNvSpPr>
+          <p:nvPr>
+            <p:ph idx="1"/>
+          </p:nvPr>
+        </p:nvSpPr>
+        <p:spPr/>
+        <p:txBody>
+          <a:bodyPr/>
+          <a:lstStyle/>
+          <a:p>
+            <a:r>
+              <a:rPr lang="fr-FR" dirty="0" smtClean="0"/>
+              <a:t>Introduction</a:t>
+            </a:r>
+          </a:p>
+          <a:p>
+            <a:r>
+              <a:rPr lang="fr-FR" dirty="0" smtClean="0"/>
+              <a:t>XXXX</a:t>
+            </a:r>
+          </a:p>
+          <a:p>
+            <a:r>
+              <a:rPr lang="fr-FR" dirty="0" smtClean="0"/>
+              <a:t>XXX</a:t>
+            </a:r>
+          </a:p>
+          <a:p>
+            <a:r>
+              <a:rPr lang="fr-FR" dirty="0" smtClean="0"/>
+              <a:t>XXXX</a:t>
+            </a:r>
+            <a:endParaRPr lang="en-GB" dirty="0"/>
+          </a:p>
+        </p:txBody>
+      </p:sp>
+    </p:spTree>
+    <p:extLst>
+      <p:ext uri="{BB962C8B-B14F-4D97-AF65-F5344CB8AC3E}">
+        <p14:creationId xmlns:p14="http://schemas.microsoft.com/office/powerpoint/2010/main" val="3175811943"/>
+      </p:ext>
+    </p:extLst>
+  </p:cSld>
+  <p:clrMapOvr>
+    <a:masterClrMapping/>
+  </p:clrMapOvr>
+</p:sld>
+</file>
+
+<file path=ppt/slides/slide3.xml><?xml version="1.0" encoding="utf-8"?>
+<p:sld xmlns:a="http://schemas.openxmlformats.org/drawingml/2006/main" xmlns:r="http://schemas.openxmlformats.org/officeDocument/2006/relationships" xmlns:p="http://schemas.openxmlformats.org/presentationml/2006/main">
+  <p:cSld>
+    <p:spTree>
+      <p:nvGrpSpPr>
+        <p:cNvPr id="1" name=""/>
+        <p:cNvGrpSpPr/>
+        <p:nvPr/>
+      </p:nvGrpSpPr>
+      <p:grpSpPr>
+        <a:xfrm>
+          <a:off x="0" y="0"/>
+          <a:ext cx="0" cy="0"/>
+          <a:chOff x="0" y="0"/>
+          <a:chExt cx="0" cy="0"/>
+        </a:xfrm>
+      </p:grpSpPr>
+      <p:sp>
+        <p:nvSpPr>
+          <p:cNvPr id="2" name="Titre 1"/>
+          <p:cNvSpPr>
+            <a:spLocks noGrp="1"/>
+          </p:cNvSpPr>
+          <p:nvPr>
+            <p:ph type="title"/>
+          </p:nvPr>
+        </p:nvSpPr>
+        <p:spPr/>
+        <p:txBody>
+          <a:bodyPr/>
+          <a:lstStyle/>
+          <a:p>
+            <a:r>
+              <a:rPr lang="fr-FR" dirty="0" smtClean="0"/>
+              <a:t>Introduction</a:t>
+            </a:r>
+            <a:endParaRPr lang="en-GB" dirty="0"/>
+          </a:p>
+        </p:txBody>
+      </p:sp>
+      <p:sp>
+        <p:nvSpPr>
+          <p:cNvPr id="3" name="Espace réservé du contenu 2"/>
+          <p:cNvSpPr>
+            <a:spLocks noGrp="1"/>
+          </p:cNvSpPr>
+          <p:nvPr>
+            <p:ph idx="1"/>
+          </p:nvPr>
+        </p:nvSpPr>
+        <p:spPr/>
+        <p:txBody>
+          <a:bodyPr/>
+          <a:lstStyle/>
+          <a:p>
+            <a:r>
+              <a:rPr lang="fr-FR" dirty="0" smtClean="0"/>
+              <a:t>But : Résoudre le problème du sac à doc multidimensionnel avec contraintes de demandes</a:t>
+            </a:r>
+          </a:p>
+          <a:p>
+            <a:r>
+              <a:rPr lang="fr-FR" dirty="0" smtClean="0"/>
+              <a:t>Remplir un sac d’objets en respectant les contraintes de capacités et les contraintes de demandes</a:t>
+            </a:r>
+          </a:p>
+          <a:p>
+            <a:r>
+              <a:rPr lang="fr-FR" dirty="0" smtClean="0"/>
+              <a:t>Maximisé le gain lié aux objets présents dans le sac « solution »</a:t>
+            </a:r>
+            <a:endParaRPr lang="en-GB" dirty="0"/>
+          </a:p>
+        </p:txBody>
+      </p:sp>
+    </p:spTree>
+    <p:extLst>
+      <p:ext uri="{BB962C8B-B14F-4D97-AF65-F5344CB8AC3E}">
+        <p14:creationId xmlns:p14="http://schemas.microsoft.com/office/powerpoint/2010/main" val="4061009515"/>
+      </p:ext>
+    </p:extLst>
+  </p:cSld>
+  <p:clrMapOvr>
+    <a:masterClrMapping/>
+  </p:clrMapOvr>
+</p:sld>
+</file>
+
+<file path=ppt/slides/slide4.xml><?xml version="1.0" encoding="utf-8"?>
+<p:sld xmlns:a="http://schemas.openxmlformats.org/drawingml/2006/main" xmlns:r="http://schemas.openxmlformats.org/officeDocument/2006/relationships" xmlns:p="http://schemas.openxmlformats.org/presentationml/2006/main">
+  <p:cSld>
+    <p:spTree>
+      <p:nvGrpSpPr>
+        <p:cNvPr id="1" name=""/>
+        <p:cNvGrpSpPr/>
+        <p:nvPr/>
+      </p:nvGrpSpPr>
+      <p:grpSpPr>
+        <a:xfrm>
+          <a:off x="0" y="0"/>
+          <a:ext cx="0" cy="0"/>
+          <a:chOff x="0" y="0"/>
+          <a:chExt cx="0" cy="0"/>
+        </a:xfrm>
+      </p:grpSpPr>
+      <p:sp>
+        <p:nvSpPr>
+          <p:cNvPr id="2" name="Titre 1"/>
+          <p:cNvSpPr>
+            <a:spLocks noGrp="1"/>
+          </p:cNvSpPr>
+          <p:nvPr>
+            <p:ph type="title"/>
+          </p:nvPr>
+        </p:nvSpPr>
+        <p:spPr/>
+        <p:txBody>
+          <a:bodyPr/>
+          <a:lstStyle/>
+          <a:p>
+            <a:r>
+              <a:rPr lang="fr-FR" dirty="0" smtClean="0"/>
+              <a:t>Structures de données</a:t>
+            </a:r>
+            <a:endParaRPr lang="en-GB" dirty="0"/>
+          </a:p>
+        </p:txBody>
+      </p:sp>
+      <p:sp>
+        <p:nvSpPr>
+          <p:cNvPr id="3" name="Espace réservé du contenu 2"/>
+          <p:cNvSpPr>
+            <a:spLocks noGrp="1"/>
+          </p:cNvSpPr>
+          <p:nvPr>
+            <p:ph idx="1"/>
+          </p:nvPr>
+        </p:nvSpPr>
+        <p:spPr/>
+        <p:txBody>
+          <a:bodyPr/>
+          <a:lstStyle/>
+          <a:p>
+            <a:r>
+              <a:rPr lang="fr-FR" dirty="0" smtClean="0"/>
+              <a:t>Modélisation du problème (</a:t>
+            </a:r>
+            <a:r>
+              <a:rPr lang="fr-FR" dirty="0" err="1" smtClean="0"/>
+              <a:t>mkp</a:t>
+            </a:r>
+            <a:r>
+              <a:rPr lang="fr-FR" dirty="0" smtClean="0"/>
+              <a:t>)</a:t>
+            </a:r>
+          </a:p>
+          <a:p>
+            <a:pPr lvl="1"/>
+            <a:r>
+              <a:rPr lang="fr-FR" dirty="0" smtClean="0"/>
+              <a:t>Nombre de variables : n</a:t>
+            </a:r>
+          </a:p>
+          <a:p>
+            <a:pPr lvl="1"/>
+            <a:r>
+              <a:rPr lang="fr-FR" dirty="0" smtClean="0"/>
+              <a:t>Nombre de contraintes de </a:t>
+            </a:r>
+            <a:r>
+              <a:rPr lang="fr-FR" dirty="0" err="1" smtClean="0"/>
+              <a:t>capactiés</a:t>
+            </a:r>
+            <a:r>
+              <a:rPr lang="fr-FR" dirty="0" smtClean="0"/>
+              <a:t> : cc</a:t>
+            </a:r>
+          </a:p>
+          <a:p>
+            <a:pPr lvl="1"/>
+            <a:r>
+              <a:rPr lang="fr-FR" dirty="0" smtClean="0"/>
+              <a:t>Nombre de contraintes de demandes : cd</a:t>
+            </a:r>
+          </a:p>
+          <a:p>
+            <a:pPr lvl="1"/>
+            <a:r>
+              <a:rPr lang="fr-FR" dirty="0" smtClean="0"/>
+              <a:t>Matrice du problème : a</a:t>
+            </a:r>
+          </a:p>
+          <a:p>
+            <a:r>
+              <a:rPr lang="fr-FR" dirty="0" smtClean="0"/>
+              <a:t>Modélisation d’une solution</a:t>
+            </a:r>
+          </a:p>
+          <a:p>
+            <a:pPr lvl="1"/>
+            <a:r>
+              <a:rPr lang="fr-FR" dirty="0" smtClean="0"/>
+              <a:t>Valeur de la fonction objectif : </a:t>
+            </a:r>
+            <a:r>
+              <a:rPr lang="fr-FR" dirty="0" err="1"/>
+              <a:t>o</a:t>
+            </a:r>
+            <a:r>
+              <a:rPr lang="fr-FR" dirty="0" err="1" smtClean="0"/>
+              <a:t>bjValue</a:t>
+            </a:r>
+            <a:endParaRPr lang="fr-FR" dirty="0" smtClean="0"/>
+          </a:p>
+          <a:p>
+            <a:pPr lvl="1"/>
+            <a:r>
+              <a:rPr lang="fr-FR" dirty="0" smtClean="0"/>
+              <a:t>Tableau de la solution : x</a:t>
+            </a:r>
+          </a:p>
+          <a:p>
+            <a:pPr lvl="1"/>
+            <a:r>
+              <a:rPr lang="fr-FR" dirty="0" smtClean="0"/>
+              <a:t>Tableau à deux </a:t>
+            </a:r>
+            <a:r>
+              <a:rPr lang="fr-FR" dirty="0" err="1" smtClean="0"/>
+              <a:t>dim</a:t>
+            </a:r>
+            <a:endParaRPr lang="fr-FR" dirty="0" smtClean="0"/>
+          </a:p>
+        </p:txBody>
+      </p:sp>
+    </p:spTree>
+    <p:extLst>
+      <p:ext uri="{BB962C8B-B14F-4D97-AF65-F5344CB8AC3E}">
+        <p14:creationId xmlns:p14="http://schemas.microsoft.com/office/powerpoint/2010/main" val="3268979507"/>
+      </p:ext>
+    </p:extLst>
+  </p:cSld>
+  <p:clrMapOvr>
+    <a:masterClrMapping/>
+  </p:clrMapOvr>
+</p:sld>
+</file>
+
+<file path=ppt/slides/slide5.xml><?xml version="1.0" encoding="utf-8"?>
+<p:sld xmlns:a="http://schemas.openxmlformats.org/drawingml/2006/main" xmlns:r="http://schemas.openxmlformats.org/officeDocument/2006/relationships" xmlns:p="http://schemas.openxmlformats.org/presentationml/2006/main">
+  <p:cSld>
+    <p:spTree>
+      <p:nvGrpSpPr>
+        <p:cNvPr id="1" name=""/>
+        <p:cNvGrpSpPr/>
+        <p:nvPr/>
+      </p:nvGrpSpPr>
+      <p:grpSpPr>
+        <a:xfrm>
+          <a:off x="0" y="0"/>
+          <a:ext cx="0" cy="0"/>
+          <a:chOff x="0" y="0"/>
+          <a:chExt cx="0" cy="0"/>
+        </a:xfrm>
+      </p:grpSpPr>
+      <p:sp>
+        <p:nvSpPr>
+          <p:cNvPr id="2" name="Titre 1"/>
+          <p:cNvSpPr>
+            <a:spLocks noGrp="1"/>
+          </p:cNvSpPr>
+          <p:nvPr>
+            <p:ph type="title"/>
+          </p:nvPr>
+        </p:nvSpPr>
+        <p:spPr/>
+        <p:txBody>
+          <a:bodyPr/>
+          <a:lstStyle/>
+          <a:p>
+            <a:r>
+              <a:rPr lang="fr-FR" dirty="0" smtClean="0"/>
+              <a:t>Résolution du problème</a:t>
+            </a:r>
+            <a:endParaRPr lang="en-GB" dirty="0"/>
+          </a:p>
+        </p:txBody>
+      </p:sp>
+      <p:sp>
+        <p:nvSpPr>
+          <p:cNvPr id="3" name="Espace réservé du contenu 2"/>
+          <p:cNvSpPr>
+            <a:spLocks noGrp="1"/>
+          </p:cNvSpPr>
+          <p:nvPr>
+            <p:ph idx="1"/>
+          </p:nvPr>
+        </p:nvSpPr>
+        <p:spPr/>
+        <p:txBody>
+          <a:bodyPr/>
+          <a:lstStyle/>
+          <a:p>
+            <a:r>
+              <a:rPr lang="fr-FR" dirty="0" smtClean="0"/>
+              <a:t>Obtenir une solution </a:t>
+            </a:r>
+            <a:r>
+              <a:rPr lang="en-GB" dirty="0" smtClean="0"/>
+              <a:t>realisable</a:t>
+            </a:r>
+          </a:p>
+          <a:p>
+            <a:r>
+              <a:rPr lang="fr-FR" dirty="0" smtClean="0"/>
+              <a:t>Améliorer cette solution en faisant le parcours des voisins :</a:t>
+            </a:r>
+          </a:p>
+          <a:p>
+            <a:pPr lvl="1"/>
+            <a:r>
+              <a:rPr lang="fr-FR" dirty="0" smtClean="0"/>
+              <a:t>Premier voisin améliorant</a:t>
+            </a:r>
+          </a:p>
+          <a:p>
+            <a:pPr lvl="1"/>
+            <a:r>
+              <a:rPr lang="fr-FR" dirty="0" smtClean="0"/>
+              <a:t>Meilleur voisin améliorant</a:t>
+            </a:r>
+            <a:endParaRPr lang="fr-FR" dirty="0"/>
+          </a:p>
+          <a:p>
+            <a:r>
+              <a:rPr lang="fr-FR" dirty="0" smtClean="0"/>
+              <a:t>Améliorer la solution améliorée avec l’algorithme Tabou</a:t>
+            </a:r>
+          </a:p>
+        </p:txBody>
+      </p:sp>
+    </p:spTree>
+    <p:extLst>
+      <p:ext uri="{BB962C8B-B14F-4D97-AF65-F5344CB8AC3E}">
+        <p14:creationId xmlns:p14="http://schemas.microsoft.com/office/powerpoint/2010/main" val="2637202576"/>
+      </p:ext>
+    </p:extLst>
+  </p:cSld>
+  <p:clrMapOvr>
+    <a:masterClrMapping/>
+  </p:clrMapOvr>
+</p:sld>
+</file>
+
+<file path=ppt/slides/slide6.xml><?xml version="1.0" encoding="utf-8"?>
+<p:sld xmlns:a="http://schemas.openxmlformats.org/drawingml/2006/main" xmlns:r="http://schemas.openxmlformats.org/officeDocument/2006/relationships" xmlns:p="http://schemas.openxmlformats.org/presentationml/2006/main">
+  <p:cSld>
+    <p:spTree>
+      <p:nvGrpSpPr>
+        <p:cNvPr id="1" name=""/>
+        <p:cNvGrpSpPr/>
+        <p:nvPr/>
+      </p:nvGrpSpPr>
+      <p:grpSpPr>
+        <a:xfrm>
+          <a:off x="0" y="0"/>
+          <a:ext cx="0" cy="0"/>
+          <a:chOff x="0" y="0"/>
+          <a:chExt cx="0" cy="0"/>
+        </a:xfrm>
+      </p:grpSpPr>
+      <p:sp>
+        <p:nvSpPr>
+          <p:cNvPr id="2" name="Titre 1"/>
+          <p:cNvSpPr>
+            <a:spLocks noGrp="1"/>
+          </p:cNvSpPr>
+          <p:nvPr>
+            <p:ph type="title"/>
+          </p:nvPr>
+        </p:nvSpPr>
+        <p:spPr/>
+        <p:txBody>
+          <a:bodyPr/>
+          <a:lstStyle/>
+          <a:p>
+            <a:r>
+              <a:rPr lang="fr-FR" dirty="0" smtClean="0"/>
+              <a:t>Difficultés</a:t>
+            </a:r>
+            <a:endParaRPr lang="en-GB" dirty="0"/>
+          </a:p>
+        </p:txBody>
+      </p:sp>
+      <p:sp>
+        <p:nvSpPr>
+          <p:cNvPr id="3" name="Espace réservé du contenu 2"/>
+          <p:cNvSpPr>
+            <a:spLocks noGrp="1"/>
+          </p:cNvSpPr>
+          <p:nvPr>
+            <p:ph idx="1"/>
+          </p:nvPr>
+        </p:nvSpPr>
+        <p:spPr/>
+        <p:txBody>
+          <a:bodyPr/>
+          <a:lstStyle/>
+          <a:p>
+            <a:endParaRPr lang="en-GB"/>
+          </a:p>
+        </p:txBody>
+      </p:sp>
+    </p:spTree>
+    <p:extLst>
+      <p:ext uri="{BB962C8B-B14F-4D97-AF65-F5344CB8AC3E}">
+        <p14:creationId xmlns:p14="http://schemas.microsoft.com/office/powerpoint/2010/main" val="4225729979"/>
+      </p:ext>
+    </p:extLst>
+  </p:cSld>
+  <p:clrMapOvr>
+    <a:masterClrMapping/>
+  </p:clrMapOvr>
+</p:sld>
+</file>
+
+<file path=ppt/slides/slide7.xml><?xml version="1.0" encoding="utf-8"?>
+<p:sld xmlns:a="http://schemas.openxmlformats.org/drawingml/2006/main" xmlns:r="http://schemas.openxmlformats.org/officeDocument/2006/relationships" xmlns:p="http://schemas.openxmlformats.org/presentationml/2006/main">
+  <p:cSld>
+    <p:spTree>
+      <p:nvGrpSpPr>
+        <p:cNvPr id="1" name=""/>
+        <p:cNvGrpSpPr/>
+        <p:nvPr/>
+      </p:nvGrpSpPr>
+      <p:grpSpPr>
+        <a:xfrm>
+          <a:off x="0" y="0"/>
+          <a:ext cx="0" cy="0"/>
+          <a:chOff x="0" y="0"/>
+          <a:chExt cx="0" cy="0"/>
+        </a:xfrm>
+      </p:grpSpPr>
+      <p:sp>
+        <p:nvSpPr>
+          <p:cNvPr id="2" name="Titre 1"/>
+          <p:cNvSpPr>
+            <a:spLocks noGrp="1"/>
+          </p:cNvSpPr>
+          <p:nvPr>
+            <p:ph type="title"/>
+          </p:nvPr>
+        </p:nvSpPr>
+        <p:spPr/>
+        <p:txBody>
+          <a:bodyPr/>
+          <a:lstStyle/>
+          <a:p>
+            <a:r>
+              <a:rPr lang="fr-FR" smtClean="0"/>
+              <a:t>Conclusion	</a:t>
+            </a:r>
+            <a:endParaRPr lang="en-GB"/>
+          </a:p>
+        </p:txBody>
+      </p:sp>
+      <p:sp>
+        <p:nvSpPr>
+          <p:cNvPr id="3" name="Espace réservé du contenu 2"/>
+          <p:cNvSpPr>
+            <a:spLocks noGrp="1"/>
+          </p:cNvSpPr>
+          <p:nvPr>
+            <p:ph idx="1"/>
+          </p:nvPr>
+        </p:nvSpPr>
+        <p:spPr/>
+        <p:txBody>
+          <a:bodyPr/>
+          <a:lstStyle/>
+          <a:p>
+            <a:endParaRPr lang="en-GB"/>
+          </a:p>
+        </p:txBody>
+      </p:sp>
+    </p:spTree>
+    <p:extLst>
+      <p:ext uri="{BB962C8B-B14F-4D97-AF65-F5344CB8AC3E}">
+        <p14:creationId xmlns:p14="http://schemas.microsoft.com/office/powerpoint/2010/main" val="1788104246"/>
       </p:ext>
     </p:extLst>
   </p:cSld>

--- a/TP/Soutenance.pptx
+++ b/TP/Soutenance.pptx
@@ -10,8 +10,12 @@
     <p:sldId id="258" r:id="rId4"/>
     <p:sldId id="259" r:id="rId5"/>
     <p:sldId id="260" r:id="rId6"/>
-    <p:sldId id="261" r:id="rId7"/>
-    <p:sldId id="262" r:id="rId8"/>
+    <p:sldId id="263" r:id="rId7"/>
+    <p:sldId id="264" r:id="rId8"/>
+    <p:sldId id="265" r:id="rId9"/>
+    <p:sldId id="261" r:id="rId10"/>
+    <p:sldId id="266" r:id="rId11"/>
+    <p:sldId id="262" r:id="rId12"/>
   </p:sldIdLst>
   <p:sldSz cx="12192000" cy="6858000"/>
   <p:notesSz cx="6858000" cy="9144000"/>
@@ -12805,6 +12809,150 @@
 </p:sld>
 </file>
 
+<file path=ppt/slides/slide10.xml><?xml version="1.0" encoding="utf-8"?>
+<p:sld xmlns:a="http://schemas.openxmlformats.org/drawingml/2006/main" xmlns:r="http://schemas.openxmlformats.org/officeDocument/2006/relationships" xmlns:p="http://schemas.openxmlformats.org/presentationml/2006/main">
+  <p:cSld>
+    <p:spTree>
+      <p:nvGrpSpPr>
+        <p:cNvPr id="1" name=""/>
+        <p:cNvGrpSpPr/>
+        <p:nvPr/>
+      </p:nvGrpSpPr>
+      <p:grpSpPr>
+        <a:xfrm>
+          <a:off x="0" y="0"/>
+          <a:ext cx="0" cy="0"/>
+          <a:chOff x="0" y="0"/>
+          <a:chExt cx="0" cy="0"/>
+        </a:xfrm>
+      </p:grpSpPr>
+      <p:sp>
+        <p:nvSpPr>
+          <p:cNvPr id="2" name="Titre 1"/>
+          <p:cNvSpPr>
+            <a:spLocks noGrp="1"/>
+          </p:cNvSpPr>
+          <p:nvPr>
+            <p:ph type="title"/>
+          </p:nvPr>
+        </p:nvSpPr>
+        <p:spPr/>
+        <p:txBody>
+          <a:bodyPr/>
+          <a:lstStyle/>
+          <a:p>
+            <a:r>
+              <a:rPr lang="fr-FR" dirty="0" smtClean="0"/>
+              <a:t>Résultats</a:t>
+            </a:r>
+            <a:endParaRPr lang="en-GB" dirty="0"/>
+          </a:p>
+        </p:txBody>
+      </p:sp>
+      <p:sp>
+        <p:nvSpPr>
+          <p:cNvPr id="3" name="Espace réservé du contenu 2"/>
+          <p:cNvSpPr>
+            <a:spLocks noGrp="1"/>
+          </p:cNvSpPr>
+          <p:nvPr>
+            <p:ph idx="1"/>
+          </p:nvPr>
+        </p:nvSpPr>
+        <p:spPr/>
+        <p:txBody>
+          <a:bodyPr/>
+          <a:lstStyle/>
+          <a:p>
+            <a:endParaRPr lang="en-GB"/>
+          </a:p>
+        </p:txBody>
+      </p:sp>
+    </p:spTree>
+    <p:extLst>
+      <p:ext uri="{BB962C8B-B14F-4D97-AF65-F5344CB8AC3E}">
+        <p14:creationId xmlns:p14="http://schemas.microsoft.com/office/powerpoint/2010/main" val="2193136436"/>
+      </p:ext>
+    </p:extLst>
+  </p:cSld>
+  <p:clrMapOvr>
+    <a:masterClrMapping/>
+  </p:clrMapOvr>
+</p:sld>
+</file>
+
+<file path=ppt/slides/slide11.xml><?xml version="1.0" encoding="utf-8"?>
+<p:sld xmlns:a="http://schemas.openxmlformats.org/drawingml/2006/main" xmlns:r="http://schemas.openxmlformats.org/officeDocument/2006/relationships" xmlns:p="http://schemas.openxmlformats.org/presentationml/2006/main">
+  <p:cSld>
+    <p:spTree>
+      <p:nvGrpSpPr>
+        <p:cNvPr id="1" name=""/>
+        <p:cNvGrpSpPr/>
+        <p:nvPr/>
+      </p:nvGrpSpPr>
+      <p:grpSpPr>
+        <a:xfrm>
+          <a:off x="0" y="0"/>
+          <a:ext cx="0" cy="0"/>
+          <a:chOff x="0" y="0"/>
+          <a:chExt cx="0" cy="0"/>
+        </a:xfrm>
+      </p:grpSpPr>
+      <p:sp>
+        <p:nvSpPr>
+          <p:cNvPr id="2" name="Titre 1"/>
+          <p:cNvSpPr>
+            <a:spLocks noGrp="1"/>
+          </p:cNvSpPr>
+          <p:nvPr>
+            <p:ph type="title"/>
+          </p:nvPr>
+        </p:nvSpPr>
+        <p:spPr/>
+        <p:txBody>
+          <a:bodyPr/>
+          <a:lstStyle/>
+          <a:p>
+            <a:r>
+              <a:rPr lang="fr-FR" dirty="0" smtClean="0"/>
+              <a:t>Conclusion	</a:t>
+            </a:r>
+            <a:endParaRPr lang="en-GB" dirty="0"/>
+          </a:p>
+        </p:txBody>
+      </p:sp>
+      <p:sp>
+        <p:nvSpPr>
+          <p:cNvPr id="3" name="Espace réservé du contenu 2"/>
+          <p:cNvSpPr>
+            <a:spLocks noGrp="1"/>
+          </p:cNvSpPr>
+          <p:nvPr>
+            <p:ph idx="1"/>
+          </p:nvPr>
+        </p:nvSpPr>
+        <p:spPr/>
+        <p:txBody>
+          <a:bodyPr/>
+          <a:lstStyle/>
+          <a:p>
+            <a:endParaRPr lang="en-GB"/>
+          </a:p>
+        </p:txBody>
+      </p:sp>
+    </p:spTree>
+    <p:extLst>
+      <p:ext uri="{BB962C8B-B14F-4D97-AF65-F5344CB8AC3E}">
+        <p14:creationId xmlns:p14="http://schemas.microsoft.com/office/powerpoint/2010/main" val="1788104246"/>
+      </p:ext>
+    </p:extLst>
+  </p:cSld>
+  <p:clrMapOvr>
+    <a:masterClrMapping/>
+  </p:clrMapOvr>
+</p:sld>
+</file>
+
 <file path=ppt/slides/slide2.xml><?xml version="1.0" encoding="utf-8"?>
 <p:sld xmlns:a="http://schemas.openxmlformats.org/drawingml/2006/main" xmlns:r="http://schemas.openxmlformats.org/officeDocument/2006/relationships" xmlns:p="http://schemas.openxmlformats.org/presentationml/2006/main">
   <p:cSld>
@@ -12857,7 +13005,9 @@
         </p:nvSpPr>
         <p:spPr/>
         <p:txBody>
-          <a:bodyPr/>
+          <a:bodyPr>
+            <a:normAutofit lnSpcReduction="10000"/>
+          </a:bodyPr>
           <a:lstStyle/>
           <a:p>
             <a:r>
@@ -12868,19 +13018,52 @@
           <a:p>
             <a:r>
               <a:rPr lang="fr-FR" dirty="0" smtClean="0"/>
-              <a:t>XXXX</a:t>
+              <a:t>Structures de données	</a:t>
             </a:r>
           </a:p>
           <a:p>
             <a:r>
               <a:rPr lang="fr-FR" dirty="0" smtClean="0"/>
-              <a:t>XXX</a:t>
-            </a:r>
-          </a:p>
-          <a:p>
+              <a:t>Résolution du problème</a:t>
+            </a:r>
+          </a:p>
+          <a:p>
+            <a:pPr lvl="1"/>
             <a:r>
               <a:rPr lang="fr-FR" dirty="0" smtClean="0"/>
-              <a:t>XXXX</a:t>
+              <a:t>Solution initiale</a:t>
+            </a:r>
+          </a:p>
+          <a:p>
+            <a:pPr lvl="1"/>
+            <a:r>
+              <a:rPr lang="fr-FR" dirty="0" smtClean="0"/>
+              <a:t>Améliorer la solution : Parcours des voisins</a:t>
+            </a:r>
+          </a:p>
+          <a:p>
+            <a:pPr lvl="1"/>
+            <a:r>
+              <a:rPr lang="fr-FR" dirty="0" smtClean="0"/>
+              <a:t>Améliorer la solution : Algorithme tabou</a:t>
+            </a:r>
+          </a:p>
+          <a:p>
+            <a:r>
+              <a:rPr lang="fr-FR" dirty="0" smtClean="0"/>
+              <a:t>Difficultés</a:t>
+            </a:r>
+          </a:p>
+          <a:p>
+            <a:r>
+              <a:rPr lang="fr-FR" dirty="0" smtClean="0"/>
+              <a:t>Résultats</a:t>
+            </a:r>
+          </a:p>
+          <a:p>
+            <a:r>
+              <a:rPr lang="fr-FR" dirty="0" smtClean="0"/>
+              <a:t>Conclusion</a:t>
             </a:r>
             <a:endParaRPr lang="en-GB" dirty="0"/>
           </a:p>
@@ -13204,11 +13387,7 @@
           <a:p>
             <a:r>
               <a:rPr lang="fr-FR" dirty="0" smtClean="0"/>
-              <a:t>Obtenir une solution </a:t>
-            </a:r>
-            <a:r>
-              <a:rPr lang="en-GB" dirty="0" smtClean="0"/>
-              <a:t>realisable</a:t>
+              <a:t>Obtenir une solution initiale réalisable</a:t>
             </a:r>
           </a:p>
           <a:p>
@@ -13287,7 +13466,7 @@
           <a:p>
             <a:r>
               <a:rPr lang="fr-FR" dirty="0" smtClean="0"/>
-              <a:t>Difficultés</a:t>
+              <a:t>Obtenir une solution initiale réalisable</a:t>
             </a:r>
             <a:endParaRPr lang="en-GB" dirty="0"/>
           </a:p>
@@ -13308,14 +13487,26 @@
           <a:bodyPr/>
           <a:lstStyle/>
           <a:p>
-            <a:endParaRPr lang="en-GB"/>
+            <a:r>
+              <a:rPr lang="fr-FR" dirty="0" smtClean="0"/>
+              <a:t>Remplir tout le sac à dos avec tous les objets =&gt; satisfaction des contraintes de demandes</a:t>
+            </a:r>
+          </a:p>
+          <a:p>
+            <a:r>
+              <a:rPr lang="fr-FR" dirty="0" smtClean="0"/>
+              <a:t>Retirer les objets petit à petit pour satisfaire les contraintes de capacités tout en satisfaisant celles de demande (choix d’un ordre pour retirer les objets)</a:t>
+            </a:r>
+          </a:p>
+          <a:p>
+            <a:endParaRPr lang="en-GB" dirty="0"/>
           </a:p>
         </p:txBody>
       </p:sp>
     </p:spTree>
     <p:extLst>
       <p:ext uri="{BB962C8B-B14F-4D97-AF65-F5344CB8AC3E}">
-        <p14:creationId xmlns:p14="http://schemas.microsoft.com/office/powerpoint/2010/main" val="4225729979"/>
+        <p14:creationId xmlns:p14="http://schemas.microsoft.com/office/powerpoint/2010/main" val="4128563353"/>
       </p:ext>
     </p:extLst>
   </p:cSld>
@@ -13358,10 +13549,10 @@
           <a:lstStyle/>
           <a:p>
             <a:r>
-              <a:rPr lang="fr-FR" smtClean="0"/>
-              <a:t>Conclusion	</a:t>
-            </a:r>
-            <a:endParaRPr lang="en-GB"/>
+              <a:rPr lang="fr-FR" dirty="0" smtClean="0"/>
+              <a:t>Améliorer la solution initiale</a:t>
+            </a:r>
+            <a:endParaRPr lang="en-GB" dirty="0"/>
           </a:p>
         </p:txBody>
       </p:sp>
@@ -13375,19 +13566,237 @@
             <p:ph idx="1"/>
           </p:nvPr>
         </p:nvSpPr>
+        <p:spPr>
+          <a:xfrm>
+            <a:off x="1154954" y="2603499"/>
+            <a:ext cx="8825659" cy="4092576"/>
+          </a:xfrm>
+        </p:spPr>
+        <p:txBody>
+          <a:bodyPr>
+            <a:normAutofit/>
+          </a:bodyPr>
+          <a:lstStyle/>
+          <a:p>
+            <a:r>
+              <a:rPr lang="fr-FR" dirty="0" smtClean="0"/>
+              <a:t>2 solutions possibles :</a:t>
+            </a:r>
+          </a:p>
+          <a:p>
+            <a:endParaRPr lang="fr-FR" dirty="0" smtClean="0"/>
+          </a:p>
+          <a:p>
+            <a:pPr lvl="1"/>
+            <a:r>
+              <a:rPr lang="fr-FR" dirty="0" smtClean="0"/>
+              <a:t>Parcourir les voisins jusqu’à trouver le premier voisin améliorant</a:t>
+            </a:r>
+          </a:p>
+          <a:p>
+            <a:pPr lvl="2"/>
+            <a:r>
+              <a:rPr lang="fr-FR" dirty="0" smtClean="0"/>
+              <a:t>Tentative d’échange entre 2 objets (on en enlève un et on en ajoute un autre) </a:t>
+            </a:r>
+          </a:p>
+          <a:p>
+            <a:pPr marL="1524000" lvl="2"/>
+            <a:r>
+              <a:rPr lang="fr-FR" dirty="0" smtClean="0"/>
+              <a:t>Dès qu’un échange améliore la solution on fait l’échange et on parcours les nouveaux voisins de la même manière</a:t>
+            </a:r>
+          </a:p>
+          <a:p>
+            <a:pPr lvl="1"/>
+            <a:endParaRPr lang="fr-FR" dirty="0" smtClean="0"/>
+          </a:p>
+          <a:p>
+            <a:pPr lvl="1"/>
+            <a:r>
+              <a:rPr lang="fr-FR" dirty="0" smtClean="0"/>
+              <a:t>Parcourir tous les voisins pour trouver le meilleur voisin </a:t>
+            </a:r>
+            <a:r>
+              <a:rPr lang="fr-FR" dirty="0" err="1" smtClean="0"/>
+              <a:t>amélioran</a:t>
+            </a:r>
+            <a:endParaRPr lang="fr-FR" dirty="0" smtClean="0"/>
+          </a:p>
+          <a:p>
+            <a:pPr lvl="2"/>
+            <a:r>
+              <a:rPr lang="fr-FR" dirty="0" smtClean="0"/>
+              <a:t>Tentative d’échange entre tous les objets</a:t>
+            </a:r>
+          </a:p>
+          <a:p>
+            <a:pPr marL="1524000" lvl="2"/>
+            <a:r>
+              <a:rPr lang="fr-FR" dirty="0" smtClean="0"/>
+              <a:t>On garde l’échange qui améliore le plus la solution en mémoire et à la fin du parcours on réalise cet échange sauvegardé (s’il existe) puis on parcours les nouveaux voisins de la même manière</a:t>
+            </a:r>
+          </a:p>
+        </p:txBody>
+      </p:sp>
+    </p:spTree>
+    <p:extLst>
+      <p:ext uri="{BB962C8B-B14F-4D97-AF65-F5344CB8AC3E}">
+        <p14:creationId xmlns:p14="http://schemas.microsoft.com/office/powerpoint/2010/main" val="3490826010"/>
+      </p:ext>
+    </p:extLst>
+  </p:cSld>
+  <p:clrMapOvr>
+    <a:masterClrMapping/>
+  </p:clrMapOvr>
+</p:sld>
+</file>
+
+<file path=ppt/slides/slide8.xml><?xml version="1.0" encoding="utf-8"?>
+<p:sld xmlns:a="http://schemas.openxmlformats.org/drawingml/2006/main" xmlns:r="http://schemas.openxmlformats.org/officeDocument/2006/relationships" xmlns:p="http://schemas.openxmlformats.org/presentationml/2006/main">
+  <p:cSld>
+    <p:spTree>
+      <p:nvGrpSpPr>
+        <p:cNvPr id="1" name=""/>
+        <p:cNvGrpSpPr/>
+        <p:nvPr/>
+      </p:nvGrpSpPr>
+      <p:grpSpPr>
+        <a:xfrm>
+          <a:off x="0" y="0"/>
+          <a:ext cx="0" cy="0"/>
+          <a:chOff x="0" y="0"/>
+          <a:chExt cx="0" cy="0"/>
+        </a:xfrm>
+      </p:grpSpPr>
+      <p:sp>
+        <p:nvSpPr>
+          <p:cNvPr id="2" name="Titre 1"/>
+          <p:cNvSpPr>
+            <a:spLocks noGrp="1"/>
+          </p:cNvSpPr>
+          <p:nvPr>
+            <p:ph type="title"/>
+          </p:nvPr>
+        </p:nvSpPr>
         <p:spPr/>
         <p:txBody>
           <a:bodyPr/>
           <a:lstStyle/>
           <a:p>
-            <a:endParaRPr lang="en-GB"/>
+            <a:r>
+              <a:rPr lang="fr-FR" dirty="0" smtClean="0"/>
+              <a:t>Améliorer la solution améliorée</a:t>
+            </a:r>
+            <a:endParaRPr lang="en-GB" dirty="0"/>
+          </a:p>
+        </p:txBody>
+      </p:sp>
+      <p:sp>
+        <p:nvSpPr>
+          <p:cNvPr id="3" name="Espace réservé du contenu 2"/>
+          <p:cNvSpPr>
+            <a:spLocks noGrp="1"/>
+          </p:cNvSpPr>
+          <p:nvPr>
+            <p:ph idx="1"/>
+          </p:nvPr>
+        </p:nvSpPr>
+        <p:spPr/>
+        <p:txBody>
+          <a:bodyPr/>
+          <a:lstStyle/>
+          <a:p>
+            <a:r>
+              <a:rPr lang="fr-FR" dirty="0" smtClean="0"/>
+              <a:t>Plusieurs choix, algorithme tabou, algorithme génétique etc.</a:t>
+            </a:r>
+          </a:p>
+          <a:p>
+            <a:r>
+              <a:rPr lang="fr-FR" dirty="0" smtClean="0"/>
+              <a:t>Implémentation de l’algorithme tabou</a:t>
+            </a:r>
+            <a:endParaRPr lang="en-GB" dirty="0"/>
           </a:p>
         </p:txBody>
       </p:sp>
     </p:spTree>
     <p:extLst>
       <p:ext uri="{BB962C8B-B14F-4D97-AF65-F5344CB8AC3E}">
-        <p14:creationId xmlns:p14="http://schemas.microsoft.com/office/powerpoint/2010/main" val="1788104246"/>
+        <p14:creationId xmlns:p14="http://schemas.microsoft.com/office/powerpoint/2010/main" val="4290659990"/>
+      </p:ext>
+    </p:extLst>
+  </p:cSld>
+  <p:clrMapOvr>
+    <a:masterClrMapping/>
+  </p:clrMapOvr>
+</p:sld>
+</file>
+
+<file path=ppt/slides/slide9.xml><?xml version="1.0" encoding="utf-8"?>
+<p:sld xmlns:a="http://schemas.openxmlformats.org/drawingml/2006/main" xmlns:r="http://schemas.openxmlformats.org/officeDocument/2006/relationships" xmlns:p="http://schemas.openxmlformats.org/presentationml/2006/main">
+  <p:cSld>
+    <p:spTree>
+      <p:nvGrpSpPr>
+        <p:cNvPr id="1" name=""/>
+        <p:cNvGrpSpPr/>
+        <p:nvPr/>
+      </p:nvGrpSpPr>
+      <p:grpSpPr>
+        <a:xfrm>
+          <a:off x="0" y="0"/>
+          <a:ext cx="0" cy="0"/>
+          <a:chOff x="0" y="0"/>
+          <a:chExt cx="0" cy="0"/>
+        </a:xfrm>
+      </p:grpSpPr>
+      <p:sp>
+        <p:nvSpPr>
+          <p:cNvPr id="2" name="Titre 1"/>
+          <p:cNvSpPr>
+            <a:spLocks noGrp="1"/>
+          </p:cNvSpPr>
+          <p:nvPr>
+            <p:ph type="title"/>
+          </p:nvPr>
+        </p:nvSpPr>
+        <p:spPr/>
+        <p:txBody>
+          <a:bodyPr/>
+          <a:lstStyle/>
+          <a:p>
+            <a:r>
+              <a:rPr lang="fr-FR" dirty="0" smtClean="0"/>
+              <a:t>Difficultés</a:t>
+            </a:r>
+            <a:endParaRPr lang="en-GB" dirty="0"/>
+          </a:p>
+        </p:txBody>
+      </p:sp>
+      <p:sp>
+        <p:nvSpPr>
+          <p:cNvPr id="3" name="Espace réservé du contenu 2"/>
+          <p:cNvSpPr>
+            <a:spLocks noGrp="1"/>
+          </p:cNvSpPr>
+          <p:nvPr>
+            <p:ph idx="1"/>
+          </p:nvPr>
+        </p:nvSpPr>
+        <p:spPr/>
+        <p:txBody>
+          <a:bodyPr/>
+          <a:lstStyle/>
+          <a:p>
+            <a:endParaRPr lang="en-GB"/>
+          </a:p>
+        </p:txBody>
+      </p:sp>
+    </p:spTree>
+    <p:extLst>
+      <p:ext uri="{BB962C8B-B14F-4D97-AF65-F5344CB8AC3E}">
+        <p14:creationId xmlns:p14="http://schemas.microsoft.com/office/powerpoint/2010/main" val="4225729979"/>
       </p:ext>
     </p:extLst>
   </p:cSld>

--- a/TP/Soutenance.pptx
+++ b/TP/Soutenance.pptx
@@ -14,8 +14,8 @@
     <p:sldId id="264" r:id="rId8"/>
     <p:sldId id="265" r:id="rId9"/>
     <p:sldId id="261" r:id="rId10"/>
-    <p:sldId id="266" r:id="rId11"/>
-    <p:sldId id="262" r:id="rId12"/>
+    <p:sldId id="262" r:id="rId11"/>
+    <p:sldId id="267" r:id="rId12"/>
   </p:sldIdLst>
   <p:sldSz cx="12192000" cy="6858000"/>
   <p:notesSz cx="6858000" cy="9144000"/>
@@ -114,6 +114,11 @@
       </a:defRPr>
     </a:lvl9pPr>
   </p:defaultTextStyle>
+  <p:extLst>
+    <p:ext uri="{EFAFB233-063F-42B5-8137-9DF3F51BA10A}">
+      <p15:sldGuideLst xmlns:p15="http://schemas.microsoft.com/office/powerpoint/2012/main"/>
+    </p:ext>
+  </p:extLst>
 </p:presentation>
 </file>
 
@@ -626,7 +631,7 @@
             <a:fld id="{E9462EF3-3C4F-43EE-ACEE-D4B806740EA3}" type="datetimeFigureOut">
               <a:rPr lang="en-US" dirty="0"/>
               <a:pPr/>
-              <a:t>1/2/2017</a:t>
+              <a:t>1/3/2017</a:t>
             </a:fld>
             <a:endParaRPr lang="en-US" dirty="0"/>
           </a:p>
@@ -1608,7 +1613,7 @@
           <a:p>
             <a:fld id="{36343B39-165A-4B68-AA5C-581F5336313C}" type="datetimeFigureOut">
               <a:rPr lang="en-US" dirty="0"/>
-              <a:t>1/2/2017</a:t>
+              <a:t>1/3/2017</a:t>
             </a:fld>
             <a:endParaRPr lang="en-US" dirty="0"/>
           </a:p>
@@ -2478,7 +2483,7 @@
           <a:p>
             <a:fld id="{942C8C57-33F9-4259-AC4F-0E3F5BEC9B94}" type="datetimeFigureOut">
               <a:rPr lang="en-US" dirty="0"/>
-              <a:t>1/2/2017</a:t>
+              <a:t>1/3/2017</a:t>
             </a:fld>
             <a:endParaRPr lang="en-US" dirty="0"/>
           </a:p>
@@ -3499,7 +3504,7 @@
           <a:p>
             <a:fld id="{8748772B-8FA2-401F-A0A1-A59855EDBC3E}" type="datetimeFigureOut">
               <a:rPr lang="en-US" dirty="0"/>
-              <a:t>1/2/2017</a:t>
+              <a:t>1/3/2017</a:t>
             </a:fld>
             <a:endParaRPr lang="en-US" dirty="0"/>
           </a:p>
@@ -4419,7 +4424,7 @@
           <a:p>
             <a:fld id="{D3DD5BDE-5A90-4611-82E9-0FC5746D30C5}" type="datetimeFigureOut">
               <a:rPr lang="en-US" dirty="0"/>
-              <a:t>1/2/2017</a:t>
+              <a:t>1/3/2017</a:t>
             </a:fld>
             <a:endParaRPr lang="en-US" dirty="0"/>
           </a:p>
@@ -5075,7 +5080,7 @@
           <a:p>
             <a:fld id="{1ADDA17D-0BEA-4E76-A7FC-F7C188BC48D1}" type="datetimeFigureOut">
               <a:rPr lang="en-US" dirty="0"/>
-              <a:t>1/2/2017</a:t>
+              <a:t>1/3/2017</a:t>
             </a:fld>
             <a:endParaRPr lang="en-US" dirty="0"/>
           </a:p>
@@ -5932,7 +5937,7 @@
           <a:p>
             <a:fld id="{6909AC7D-18CA-4236-82B9-D75EB1D66EAE}" type="datetimeFigureOut">
               <a:rPr lang="en-US" dirty="0"/>
-              <a:t>1/2/2017</a:t>
+              <a:t>1/3/2017</a:t>
             </a:fld>
             <a:endParaRPr lang="en-US" dirty="0"/>
           </a:p>
@@ -6115,7 +6120,7 @@
           <a:p>
             <a:fld id="{5568300E-C023-45CD-A0BE-EDB7A8C6EA8B}" type="datetimeFigureOut">
               <a:rPr lang="en-US" dirty="0"/>
-              <a:t>1/2/2017</a:t>
+              <a:t>1/3/2017</a:t>
             </a:fld>
             <a:endParaRPr lang="en-US" dirty="0"/>
           </a:p>
@@ -6972,7 +6977,7 @@
           <a:p>
             <a:fld id="{3B620EAD-E369-4933-8469-ED7764B56A1B}" type="datetimeFigureOut">
               <a:rPr lang="en-US" dirty="0"/>
-              <a:t>1/2/2017</a:t>
+              <a:t>1/3/2017</a:t>
             </a:fld>
             <a:endParaRPr lang="en-US" dirty="0"/>
           </a:p>
@@ -7191,7 +7196,7 @@
           <a:p>
             <a:fld id="{076C0EF2-9919-473B-8215-8616BAF10692}" type="datetimeFigureOut">
               <a:rPr lang="en-US" dirty="0"/>
-              <a:t>1/2/2017</a:t>
+              <a:t>1/3/2017</a:t>
             </a:fld>
             <a:endParaRPr lang="en-US" dirty="0"/>
           </a:p>
@@ -8116,7 +8121,7 @@
           <a:p>
             <a:fld id="{A09472EB-AC54-4713-BFC2-BEB621108C63}" type="datetimeFigureOut">
               <a:rPr lang="en-US" dirty="0"/>
-              <a:t>1/2/2017</a:t>
+              <a:t>1/3/2017</a:t>
             </a:fld>
             <a:endParaRPr lang="en-US" dirty="0"/>
           </a:p>
@@ -8400,7 +8405,7 @@
           <a:p>
             <a:fld id="{99455A0C-791E-4545-B787-F98AD45CD761}" type="datetimeFigureOut">
               <a:rPr lang="en-US" dirty="0"/>
-              <a:t>1/2/2017</a:t>
+              <a:t>1/3/2017</a:t>
             </a:fld>
             <a:endParaRPr lang="en-US" dirty="0"/>
           </a:p>
@@ -8790,7 +8795,7 @@
           <a:p>
             <a:fld id="{42536B77-F4F4-4427-AC4F-9A623798AD82}" type="datetimeFigureOut">
               <a:rPr lang="en-US" dirty="0"/>
-              <a:t>1/2/2017</a:t>
+              <a:t>1/3/2017</a:t>
             </a:fld>
             <a:endParaRPr lang="en-US" dirty="0"/>
           </a:p>
@@ -8916,7 +8921,7 @@
           <a:p>
             <a:fld id="{D8BE790C-34EB-4565-8437-CACF4CDB7822}" type="datetimeFigureOut">
               <a:rPr lang="en-US" dirty="0"/>
-              <a:t>1/2/2017</a:t>
+              <a:t>1/3/2017</a:t>
             </a:fld>
             <a:endParaRPr lang="en-US" dirty="0"/>
           </a:p>
@@ -9011,7 +9016,7 @@
           <a:p>
             <a:fld id="{F84A4C11-22B8-4A4E-8126-B3AF6B948A8E}" type="datetimeFigureOut">
               <a:rPr lang="en-US" dirty="0"/>
-              <a:t>1/2/2017</a:t>
+              <a:t>1/3/2017</a:t>
             </a:fld>
             <a:endParaRPr lang="en-US" dirty="0"/>
           </a:p>
@@ -9982,7 +9987,7 @@
           <a:p>
             <a:fld id="{16ED06B6-C816-4861-964D-15A98395707D}" type="datetimeFigureOut">
               <a:rPr lang="en-US" dirty="0"/>
-              <a:t>1/2/2017</a:t>
+              <a:t>1/3/2017</a:t>
             </a:fld>
             <a:endParaRPr lang="en-US" dirty="0"/>
           </a:p>
@@ -10977,7 +10982,7 @@
           <a:p>
             <a:fld id="{00B1A8AB-EA7C-4B1B-9D73-E2551851FABE}" type="datetimeFigureOut">
               <a:rPr lang="en-US" dirty="0"/>
-              <a:t>1/2/2017</a:t>
+              <a:t>1/3/2017</a:t>
             </a:fld>
             <a:endParaRPr lang="en-US" dirty="0"/>
           </a:p>
@@ -11861,7 +11866,7 @@
           <a:p>
             <a:fld id="{90786BE5-D2A3-4BF0-8B30-D7403E61B3DC}" type="datetimeFigureOut">
               <a:rPr lang="en-US" dirty="0"/>
-              <a:t>1/2/2017</a:t>
+              <a:t>1/3/2017</a:t>
             </a:fld>
             <a:endParaRPr lang="en-US" dirty="0"/>
           </a:p>
@@ -12843,7 +12848,7 @@
           <a:p>
             <a:r>
               <a:rPr lang="fr-FR" dirty="0" smtClean="0"/>
-              <a:t>Résultats</a:t>
+              <a:t>Conclusion	</a:t>
             </a:r>
             <a:endParaRPr lang="en-GB" dirty="0"/>
           </a:p>
@@ -12864,14 +12869,37 @@
           <a:bodyPr/>
           <a:lstStyle/>
           <a:p>
-            <a:endParaRPr lang="en-GB"/>
+            <a:r>
+              <a:rPr lang="fr-FR" dirty="0" smtClean="0"/>
+              <a:t>Apprentissage de l’utilisation des heuristiques</a:t>
+            </a:r>
+          </a:p>
+          <a:p>
+            <a:r>
+              <a:rPr lang="fr-FR" dirty="0" smtClean="0"/>
+              <a:t>Une solution initiale avec un bon résultat n’est pas la solution de base qui permet d’obtenir la meilleure solution avec les algorithmes de parcours</a:t>
+            </a:r>
+          </a:p>
+          <a:p>
+            <a:r>
+              <a:rPr lang="fr-FR" dirty="0" smtClean="0"/>
+              <a:t>Meilleure connaissance pour résoudre les fuites mémoires</a:t>
+            </a:r>
+            <a:endParaRPr lang="fr-FR" dirty="0" smtClean="0"/>
+          </a:p>
+          <a:p>
+            <a:r>
+              <a:rPr lang="fr-FR" dirty="0" smtClean="0"/>
+              <a:t>Méthode récursive limitée en terme de nombre d’appels récursifs</a:t>
+            </a:r>
+            <a:endParaRPr lang="en-GB" dirty="0"/>
           </a:p>
         </p:txBody>
       </p:sp>
     </p:spTree>
     <p:extLst>
       <p:ext uri="{BB962C8B-B14F-4D97-AF65-F5344CB8AC3E}">
-        <p14:creationId xmlns:p14="http://schemas.microsoft.com/office/powerpoint/2010/main" val="2193136436"/>
+        <p14:creationId xmlns:p14="http://schemas.microsoft.com/office/powerpoint/2010/main" val="1788104246"/>
       </p:ext>
     </p:extLst>
   </p:cSld>
@@ -12915,35 +12943,626 @@
           <a:p>
             <a:r>
               <a:rPr lang="fr-FR" dirty="0" smtClean="0"/>
-              <a:t>Conclusion	</a:t>
+              <a:t>Merci pour votre écoute</a:t>
             </a:r>
             <a:endParaRPr lang="en-GB" dirty="0"/>
           </a:p>
         </p:txBody>
       </p:sp>
-      <p:sp>
-        <p:nvSpPr>
-          <p:cNvPr id="3" name="Espace réservé du contenu 2"/>
-          <p:cNvSpPr>
-            <a:spLocks noGrp="1"/>
-          </p:cNvSpPr>
+      <p:graphicFrame>
+        <p:nvGraphicFramePr>
+          <p:cNvPr id="4" name="Espace réservé du contenu 3"/>
+          <p:cNvGraphicFramePr>
+            <a:graphicFrameLocks noGrp="1"/>
+          </p:cNvGraphicFramePr>
           <p:nvPr>
             <p:ph idx="1"/>
           </p:nvPr>
-        </p:nvSpPr>
-        <p:spPr/>
-        <p:txBody>
-          <a:bodyPr/>
-          <a:lstStyle/>
-          <a:p>
-            <a:endParaRPr lang="en-GB"/>
-          </a:p>
-        </p:txBody>
-      </p:sp>
+        </p:nvGraphicFramePr>
+        <p:xfrm>
+          <a:off x="1155700" y="2603500"/>
+          <a:ext cx="8824912" cy="3708400"/>
+        </p:xfrm>
+        <a:graphic>
+          <a:graphicData uri="http://schemas.openxmlformats.org/drawingml/2006/table">
+            <a:tbl>
+              <a:tblPr firstRow="1" bandRow="1">
+                <a:tableStyleId>{5C22544A-7EE6-4342-B048-85BDC9FD1C3A}</a:tableStyleId>
+              </a:tblPr>
+              <a:tblGrid>
+                <a:gridCol w="2206228"/>
+                <a:gridCol w="2206228"/>
+                <a:gridCol w="2206228"/>
+                <a:gridCol w="2206228"/>
+              </a:tblGrid>
+              <a:tr h="370840">
+                <a:tc>
+                  <a:txBody>
+                    <a:bodyPr/>
+                    <a:lstStyle/>
+                    <a:p>
+                      <a:r>
+                        <a:rPr lang="fr-FR" dirty="0" smtClean="0"/>
+                        <a:t>Instances</a:t>
+                      </a:r>
+                      <a:endParaRPr lang="en-GB" dirty="0"/>
+                    </a:p>
+                  </a:txBody>
+                  <a:tcPr/>
+                </a:tc>
+                <a:tc>
+                  <a:txBody>
+                    <a:bodyPr/>
+                    <a:lstStyle/>
+                    <a:p>
+                      <a:r>
+                        <a:rPr lang="fr-FR" dirty="0" smtClean="0"/>
+                        <a:t>Résultats</a:t>
+                      </a:r>
+                      <a:endParaRPr lang="en-GB" dirty="0"/>
+                    </a:p>
+                  </a:txBody>
+                  <a:tcPr/>
+                </a:tc>
+                <a:tc>
+                  <a:txBody>
+                    <a:bodyPr/>
+                    <a:lstStyle/>
+                    <a:p>
+                      <a:r>
+                        <a:rPr lang="fr-FR" dirty="0" smtClean="0"/>
+                        <a:t>Instances</a:t>
+                      </a:r>
+                      <a:endParaRPr lang="en-GB" dirty="0"/>
+                    </a:p>
+                  </a:txBody>
+                  <a:tcPr/>
+                </a:tc>
+                <a:tc>
+                  <a:txBody>
+                    <a:bodyPr/>
+                    <a:lstStyle/>
+                    <a:p>
+                      <a:r>
+                        <a:rPr lang="fr-FR" dirty="0" smtClean="0"/>
+                        <a:t>Résultats</a:t>
+                      </a:r>
+                      <a:endParaRPr lang="en-GB" dirty="0"/>
+                    </a:p>
+                  </a:txBody>
+                  <a:tcPr/>
+                </a:tc>
+              </a:tr>
+              <a:tr h="370840">
+                <a:tc>
+                  <a:txBody>
+                    <a:bodyPr/>
+                    <a:lstStyle/>
+                    <a:p>
+                      <a:r>
+                        <a:rPr lang="fr-FR" dirty="0" smtClean="0"/>
+                        <a:t>100Md5_1_1</a:t>
+                      </a:r>
+                      <a:endParaRPr lang="en-GB" dirty="0"/>
+                    </a:p>
+                  </a:txBody>
+                  <a:tcPr/>
+                </a:tc>
+                <a:tc>
+                  <a:txBody>
+                    <a:bodyPr/>
+                    <a:lstStyle/>
+                    <a:p>
+                      <a:r>
+                        <a:rPr lang="fr-FR" dirty="0" smtClean="0"/>
+                        <a:t>33018</a:t>
+                      </a:r>
+                      <a:endParaRPr lang="en-GB" dirty="0"/>
+                    </a:p>
+                  </a:txBody>
+                  <a:tcPr/>
+                </a:tc>
+                <a:tc>
+                  <a:txBody>
+                    <a:bodyPr/>
+                    <a:lstStyle/>
+                    <a:p>
+                      <a:r>
+                        <a:rPr lang="fr-FR" dirty="0" smtClean="0"/>
+                        <a:t>250Md5_2_1</a:t>
+                      </a:r>
+                      <a:endParaRPr lang="en-GB" dirty="0"/>
+                    </a:p>
+                  </a:txBody>
+                  <a:tcPr/>
+                </a:tc>
+                <a:tc>
+                  <a:txBody>
+                    <a:bodyPr/>
+                    <a:lstStyle/>
+                    <a:p>
+                      <a:r>
+                        <a:rPr lang="fr-FR" dirty="0" smtClean="0"/>
+                        <a:t>82821</a:t>
+                      </a:r>
+                      <a:endParaRPr lang="en-GB" dirty="0"/>
+                    </a:p>
+                  </a:txBody>
+                  <a:tcPr/>
+                </a:tc>
+              </a:tr>
+              <a:tr h="370840">
+                <a:tc>
+                  <a:txBody>
+                    <a:bodyPr/>
+                    <a:lstStyle/>
+                    <a:p>
+                      <a:r>
+                        <a:rPr lang="fr-FR" dirty="0" smtClean="0"/>
+                        <a:t>100Md5_1_2</a:t>
+                      </a:r>
+                      <a:endParaRPr lang="en-GB" dirty="0"/>
+                    </a:p>
+                  </a:txBody>
+                  <a:tcPr/>
+                </a:tc>
+                <a:tc>
+                  <a:txBody>
+                    <a:bodyPr/>
+                    <a:lstStyle/>
+                    <a:p>
+                      <a:r>
+                        <a:rPr lang="fr-FR" dirty="0" smtClean="0"/>
+                        <a:t>29073</a:t>
+                      </a:r>
+                      <a:endParaRPr lang="en-GB" dirty="0"/>
+                    </a:p>
+                  </a:txBody>
+                  <a:tcPr/>
+                </a:tc>
+                <a:tc>
+                  <a:txBody>
+                    <a:bodyPr/>
+                    <a:lstStyle/>
+                    <a:p>
+                      <a:r>
+                        <a:rPr lang="fr-FR" dirty="0" smtClean="0"/>
+                        <a:t>250Md5_2_2</a:t>
+                      </a:r>
+                      <a:endParaRPr lang="en-GB" dirty="0"/>
+                    </a:p>
+                  </a:txBody>
+                  <a:tcPr/>
+                </a:tc>
+                <a:tc>
+                  <a:txBody>
+                    <a:bodyPr/>
+                    <a:lstStyle/>
+                    <a:p>
+                      <a:r>
+                        <a:rPr lang="fr-FR" dirty="0" smtClean="0"/>
+                        <a:t>76835</a:t>
+                      </a:r>
+                      <a:endParaRPr lang="en-GB" dirty="0"/>
+                    </a:p>
+                  </a:txBody>
+                  <a:tcPr/>
+                </a:tc>
+              </a:tr>
+              <a:tr h="370840">
+                <a:tc>
+                  <a:txBody>
+                    <a:bodyPr/>
+                    <a:lstStyle/>
+                    <a:p>
+                      <a:r>
+                        <a:rPr lang="fr-FR" dirty="0" smtClean="0"/>
+                        <a:t>100Md5_1_5</a:t>
+                      </a:r>
+                      <a:endParaRPr lang="en-GB" dirty="0"/>
+                    </a:p>
+                  </a:txBody>
+                  <a:tcPr/>
+                </a:tc>
+                <a:tc>
+                  <a:txBody>
+                    <a:bodyPr/>
+                    <a:lstStyle/>
+                    <a:p>
+                      <a:r>
+                        <a:rPr lang="fr-FR" dirty="0" smtClean="0"/>
+                        <a:t>22130</a:t>
+                      </a:r>
+                      <a:endParaRPr lang="en-GB" dirty="0"/>
+                    </a:p>
+                  </a:txBody>
+                  <a:tcPr/>
+                </a:tc>
+                <a:tc>
+                  <a:txBody>
+                    <a:bodyPr/>
+                    <a:lstStyle/>
+                    <a:p>
+                      <a:r>
+                        <a:rPr lang="fr-FR" dirty="0" smtClean="0"/>
+                        <a:t>250Md5_2_5</a:t>
+                      </a:r>
+                      <a:endParaRPr lang="en-GB" dirty="0"/>
+                    </a:p>
+                  </a:txBody>
+                  <a:tcPr/>
+                </a:tc>
+                <a:tc>
+                  <a:txBody>
+                    <a:bodyPr/>
+                    <a:lstStyle/>
+                    <a:p>
+                      <a:r>
+                        <a:rPr lang="fr-FR" dirty="0" smtClean="0"/>
+                        <a:t>61651</a:t>
+                      </a:r>
+                      <a:endParaRPr lang="en-GB" dirty="0"/>
+                    </a:p>
+                  </a:txBody>
+                  <a:tcPr/>
+                </a:tc>
+              </a:tr>
+              <a:tr h="370840">
+                <a:tc>
+                  <a:txBody>
+                    <a:bodyPr/>
+                    <a:lstStyle/>
+                    <a:p>
+                      <a:r>
+                        <a:rPr lang="fr-FR" dirty="0" smtClean="0"/>
+                        <a:t>100Md5_2_1</a:t>
+                      </a:r>
+                      <a:endParaRPr lang="en-GB" dirty="0"/>
+                    </a:p>
+                  </a:txBody>
+                  <a:tcPr/>
+                </a:tc>
+                <a:tc>
+                  <a:txBody>
+                    <a:bodyPr/>
+                    <a:lstStyle/>
+                    <a:p>
+                      <a:r>
+                        <a:rPr lang="fr-FR" dirty="0" smtClean="0"/>
+                        <a:t>30644</a:t>
+                      </a:r>
+                      <a:endParaRPr lang="en-GB" dirty="0"/>
+                    </a:p>
+                  </a:txBody>
+                  <a:tcPr/>
+                </a:tc>
+                <a:tc>
+                  <a:txBody>
+                    <a:bodyPr/>
+                    <a:lstStyle/>
+                    <a:p>
+                      <a:r>
+                        <a:rPr lang="fr-FR" dirty="0" smtClean="0"/>
+                        <a:t>500Md5_1_1</a:t>
+                      </a:r>
+                      <a:endParaRPr lang="en-GB" dirty="0"/>
+                    </a:p>
+                  </a:txBody>
+                  <a:tcPr/>
+                </a:tc>
+                <a:tc>
+                  <a:txBody>
+                    <a:bodyPr/>
+                    <a:lstStyle/>
+                    <a:p>
+                      <a:r>
+                        <a:rPr lang="fr-FR" dirty="0" smtClean="0"/>
+                        <a:t>177554</a:t>
+                      </a:r>
+                      <a:endParaRPr lang="en-GB" dirty="0"/>
+                    </a:p>
+                  </a:txBody>
+                  <a:tcPr/>
+                </a:tc>
+              </a:tr>
+              <a:tr h="370840">
+                <a:tc>
+                  <a:txBody>
+                    <a:bodyPr/>
+                    <a:lstStyle/>
+                    <a:p>
+                      <a:r>
+                        <a:rPr lang="fr-FR" dirty="0" smtClean="0"/>
+                        <a:t>100Md5_2_2</a:t>
+                      </a:r>
+                      <a:endParaRPr lang="en-GB" dirty="0"/>
+                    </a:p>
+                  </a:txBody>
+                  <a:tcPr/>
+                </a:tc>
+                <a:tc>
+                  <a:txBody>
+                    <a:bodyPr/>
+                    <a:lstStyle/>
+                    <a:p>
+                      <a:r>
+                        <a:rPr lang="fr-FR" dirty="0" smtClean="0"/>
+                        <a:t>27879</a:t>
+                      </a:r>
+                      <a:endParaRPr lang="en-GB" dirty="0"/>
+                    </a:p>
+                  </a:txBody>
+                  <a:tcPr/>
+                </a:tc>
+                <a:tc>
+                  <a:txBody>
+                    <a:bodyPr/>
+                    <a:lstStyle/>
+                    <a:p>
+                      <a:r>
+                        <a:rPr lang="fr-FR" dirty="0" smtClean="0"/>
+                        <a:t>500Md5_1_2</a:t>
+                      </a:r>
+                      <a:endParaRPr lang="en-GB" dirty="0"/>
+                    </a:p>
+                  </a:txBody>
+                  <a:tcPr/>
+                </a:tc>
+                <a:tc>
+                  <a:txBody>
+                    <a:bodyPr/>
+                    <a:lstStyle/>
+                    <a:p>
+                      <a:r>
+                        <a:rPr lang="fr-FR" dirty="0" smtClean="0"/>
+                        <a:t>146114</a:t>
+                      </a:r>
+                      <a:endParaRPr lang="en-GB" dirty="0"/>
+                    </a:p>
+                  </a:txBody>
+                  <a:tcPr/>
+                </a:tc>
+              </a:tr>
+              <a:tr h="370840">
+                <a:tc>
+                  <a:txBody>
+                    <a:bodyPr/>
+                    <a:lstStyle/>
+                    <a:p>
+                      <a:r>
+                        <a:rPr lang="fr-FR" dirty="0" smtClean="0"/>
+                        <a:t>100Md5_2_5</a:t>
+                      </a:r>
+                      <a:endParaRPr lang="en-GB" dirty="0"/>
+                    </a:p>
+                  </a:txBody>
+                  <a:tcPr/>
+                </a:tc>
+                <a:tc>
+                  <a:txBody>
+                    <a:bodyPr/>
+                    <a:lstStyle/>
+                    <a:p>
+                      <a:r>
+                        <a:rPr lang="fr-FR" dirty="0" smtClean="0"/>
+                        <a:t>26236</a:t>
+                      </a:r>
+                      <a:endParaRPr lang="en-GB" dirty="0"/>
+                    </a:p>
+                  </a:txBody>
+                  <a:tcPr/>
+                </a:tc>
+                <a:tc>
+                  <a:txBody>
+                    <a:bodyPr/>
+                    <a:lstStyle/>
+                    <a:p>
+                      <a:r>
+                        <a:rPr lang="fr-FR" dirty="0" smtClean="0"/>
+                        <a:t>500Md5_1_5</a:t>
+                      </a:r>
+                      <a:endParaRPr lang="en-GB" dirty="0"/>
+                    </a:p>
+                  </a:txBody>
+                  <a:tcPr/>
+                </a:tc>
+                <a:tc>
+                  <a:txBody>
+                    <a:bodyPr/>
+                    <a:lstStyle/>
+                    <a:p>
+                      <a:r>
+                        <a:rPr lang="fr-FR" dirty="0" smtClean="0"/>
+                        <a:t>136437</a:t>
+                      </a:r>
+                      <a:endParaRPr lang="en-GB" dirty="0"/>
+                    </a:p>
+                  </a:txBody>
+                  <a:tcPr/>
+                </a:tc>
+              </a:tr>
+              <a:tr h="370840">
+                <a:tc>
+                  <a:txBody>
+                    <a:bodyPr/>
+                    <a:lstStyle/>
+                    <a:p>
+                      <a:r>
+                        <a:rPr lang="fr-FR" dirty="0" smtClean="0"/>
+                        <a:t>250Md5_1_1</a:t>
+                      </a:r>
+                      <a:endParaRPr lang="en-GB" dirty="0"/>
+                    </a:p>
+                  </a:txBody>
+                  <a:tcPr/>
+                </a:tc>
+                <a:tc>
+                  <a:txBody>
+                    <a:bodyPr/>
+                    <a:lstStyle/>
+                    <a:p>
+                      <a:r>
+                        <a:rPr lang="fr-FR" dirty="0" smtClean="0"/>
+                        <a:t>90085</a:t>
+                      </a:r>
+                      <a:endParaRPr lang="en-GB" dirty="0"/>
+                    </a:p>
+                  </a:txBody>
+                  <a:tcPr/>
+                </a:tc>
+                <a:tc>
+                  <a:txBody>
+                    <a:bodyPr/>
+                    <a:lstStyle/>
+                    <a:p>
+                      <a:r>
+                        <a:rPr lang="fr-FR" dirty="0" smtClean="0"/>
+                        <a:t>500Md5_2_1</a:t>
+                      </a:r>
+                      <a:endParaRPr lang="en-GB" dirty="0"/>
+                    </a:p>
+                  </a:txBody>
+                  <a:tcPr/>
+                </a:tc>
+                <a:tc>
+                  <a:txBody>
+                    <a:bodyPr/>
+                    <a:lstStyle/>
+                    <a:p>
+                      <a:r>
+                        <a:rPr lang="fr-FR" dirty="0" smtClean="0"/>
+                        <a:t>180886</a:t>
+                      </a:r>
+                      <a:endParaRPr lang="en-GB" dirty="0"/>
+                    </a:p>
+                  </a:txBody>
+                  <a:tcPr/>
+                </a:tc>
+              </a:tr>
+              <a:tr h="370840">
+                <a:tc>
+                  <a:txBody>
+                    <a:bodyPr/>
+                    <a:lstStyle/>
+                    <a:p>
+                      <a:r>
+                        <a:rPr lang="fr-FR" dirty="0" smtClean="0"/>
+                        <a:t>250Md5_1_2</a:t>
+                      </a:r>
+                      <a:endParaRPr lang="en-GB" dirty="0"/>
+                    </a:p>
+                  </a:txBody>
+                  <a:tcPr/>
+                </a:tc>
+                <a:tc>
+                  <a:txBody>
+                    <a:bodyPr/>
+                    <a:lstStyle/>
+                    <a:p>
+                      <a:r>
+                        <a:rPr lang="fr-FR" dirty="0" smtClean="0"/>
+                        <a:t>79906</a:t>
+                      </a:r>
+                      <a:endParaRPr lang="en-GB" dirty="0"/>
+                    </a:p>
+                  </a:txBody>
+                  <a:tcPr/>
+                </a:tc>
+                <a:tc>
+                  <a:txBody>
+                    <a:bodyPr/>
+                    <a:lstStyle/>
+                    <a:p>
+                      <a:r>
+                        <a:rPr lang="fr-FR" dirty="0" smtClean="0"/>
+                        <a:t>500Md5_2_2</a:t>
+                      </a:r>
+                      <a:endParaRPr lang="en-GB" dirty="0"/>
+                    </a:p>
+                  </a:txBody>
+                  <a:tcPr/>
+                </a:tc>
+                <a:tc>
+                  <a:txBody>
+                    <a:bodyPr/>
+                    <a:lstStyle/>
+                    <a:p>
+                      <a:r>
+                        <a:rPr lang="fr-FR" dirty="0" smtClean="0"/>
+                        <a:t>161938</a:t>
+                      </a:r>
+                      <a:endParaRPr lang="en-GB" dirty="0"/>
+                    </a:p>
+                  </a:txBody>
+                  <a:tcPr/>
+                </a:tc>
+              </a:tr>
+              <a:tr h="370840">
+                <a:tc>
+                  <a:txBody>
+                    <a:bodyPr/>
+                    <a:lstStyle/>
+                    <a:p>
+                      <a:r>
+                        <a:rPr lang="fr-FR" dirty="0" smtClean="0"/>
+                        <a:t>250Md5_1_5</a:t>
+                      </a:r>
+                      <a:endParaRPr lang="en-GB" dirty="0"/>
+                    </a:p>
+                  </a:txBody>
+                  <a:tcPr/>
+                </a:tc>
+                <a:tc>
+                  <a:txBody>
+                    <a:bodyPr/>
+                    <a:lstStyle/>
+                    <a:p>
+                      <a:r>
+                        <a:rPr lang="fr-FR" dirty="0" smtClean="0"/>
+                        <a:t>68110</a:t>
+                      </a:r>
+                      <a:endParaRPr lang="en-GB" dirty="0"/>
+                    </a:p>
+                  </a:txBody>
+                  <a:tcPr/>
+                </a:tc>
+                <a:tc>
+                  <a:txBody>
+                    <a:bodyPr/>
+                    <a:lstStyle/>
+                    <a:p>
+                      <a:r>
+                        <a:rPr lang="fr-FR" dirty="0" smtClean="0"/>
+                        <a:t>500Md5_2_5</a:t>
+                      </a:r>
+                      <a:endParaRPr lang="en-GB" dirty="0"/>
+                    </a:p>
+                  </a:txBody>
+                  <a:tcPr/>
+                </a:tc>
+                <a:tc>
+                  <a:txBody>
+                    <a:bodyPr/>
+                    <a:lstStyle/>
+                    <a:p>
+                      <a:r>
+                        <a:rPr lang="fr-FR" dirty="0" smtClean="0"/>
+                        <a:t>161938</a:t>
+                      </a:r>
+                      <a:endParaRPr lang="en-GB" dirty="0"/>
+                    </a:p>
+                  </a:txBody>
+                  <a:tcPr/>
+                </a:tc>
+              </a:tr>
+            </a:tbl>
+          </a:graphicData>
+        </a:graphic>
+      </p:graphicFrame>
     </p:spTree>
     <p:extLst>
       <p:ext uri="{BB962C8B-B14F-4D97-AF65-F5344CB8AC3E}">
-        <p14:creationId xmlns:p14="http://schemas.microsoft.com/office/powerpoint/2010/main" val="1788104246"/>
+        <p14:creationId xmlns:p14="http://schemas.microsoft.com/office/powerpoint/2010/main" val="4016427617"/>
       </p:ext>
     </p:extLst>
   </p:cSld>
@@ -13006,7 +13625,7 @@
         <p:spPr/>
         <p:txBody>
           <a:bodyPr>
-            <a:normAutofit lnSpcReduction="10000"/>
+            <a:normAutofit/>
           </a:bodyPr>
           <a:lstStyle/>
           <a:p>
@@ -13045,13 +13664,11 @@
             <a:pPr lvl="1"/>
             <a:r>
               <a:rPr lang="fr-FR" dirty="0" smtClean="0"/>
-              <a:t>Améliorer la solution : Algorithme tabou</a:t>
-            </a:r>
-          </a:p>
-          <a:p>
+              <a:t>Améliorer la solution : Algorithme </a:t>
+            </a:r>
             <a:r>
               <a:rPr lang="fr-FR" dirty="0" smtClean="0"/>
-              <a:t>Difficultés</a:t>
+              <a:t>tabou</a:t>
             </a:r>
           </a:p>
           <a:p>
@@ -13059,6 +13676,7 @@
               <a:rPr lang="fr-FR" dirty="0" smtClean="0"/>
               <a:t>Résultats</a:t>
             </a:r>
+            <a:endParaRPr lang="fr-FR" dirty="0" smtClean="0"/>
           </a:p>
           <a:p>
             <a:r>
@@ -13307,11 +13925,11 @@
             <a:pPr lvl="1"/>
             <a:r>
               <a:rPr lang="fr-FR" dirty="0" smtClean="0"/>
-              <a:t>Tableau à deux </a:t>
+              <a:t>Tableau à deux dimensions </a:t>
             </a:r>
             <a:r>
               <a:rPr lang="fr-FR" dirty="0" err="1" smtClean="0"/>
-              <a:t>dim</a:t>
+              <a:t>slack</a:t>
             </a:r>
             <a:endParaRPr lang="fr-FR" dirty="0" smtClean="0"/>
           </a:p>
@@ -13615,20 +14233,20 @@
             <a:pPr lvl="1"/>
             <a:r>
               <a:rPr lang="fr-FR" dirty="0" smtClean="0"/>
-              <a:t>Parcourir tous les voisins pour trouver le meilleur voisin </a:t>
-            </a:r>
-            <a:r>
-              <a:rPr lang="fr-FR" dirty="0" err="1" smtClean="0"/>
-              <a:t>amélioran</a:t>
+              <a:t>Parcourir tous les voisins pour trouver le meilleur voisin améliorant</a:t>
+            </a:r>
+          </a:p>
+          <a:p>
+            <a:pPr lvl="2"/>
+            <a:r>
+              <a:rPr lang="fr-FR" dirty="0" smtClean="0"/>
+              <a:t>Tentative d’échange </a:t>
+            </a:r>
+            <a:r>
+              <a:rPr lang="fr-FR" dirty="0" smtClean="0"/>
+              <a:t>entre 2 objets</a:t>
             </a:r>
             <a:endParaRPr lang="fr-FR" dirty="0" smtClean="0"/>
-          </a:p>
-          <a:p>
-            <a:pPr lvl="2"/>
-            <a:r>
-              <a:rPr lang="fr-FR" dirty="0" smtClean="0"/>
-              <a:t>Tentative d’échange entre tous les objets</a:t>
-            </a:r>
           </a:p>
           <a:p>
             <a:pPr marL="1524000" lvl="2"/>
@@ -13709,13 +14327,42 @@
           <a:p>
             <a:r>
               <a:rPr lang="fr-FR" dirty="0" smtClean="0"/>
-              <a:t>Plusieurs choix, algorithme tabou, algorithme génétique etc.</a:t>
+              <a:t>Plusieurs </a:t>
+            </a:r>
+            <a:r>
+              <a:rPr lang="fr-FR" dirty="0" smtClean="0"/>
+              <a:t>choix possibles, </a:t>
+            </a:r>
+            <a:r>
+              <a:rPr lang="fr-FR" dirty="0" smtClean="0"/>
+              <a:t>algorithme tabou, algorithme génétique etc.</a:t>
             </a:r>
           </a:p>
           <a:p>
             <a:r>
               <a:rPr lang="fr-FR" dirty="0" smtClean="0"/>
               <a:t>Implémentation de l’algorithme tabou</a:t>
+            </a:r>
+          </a:p>
+          <a:p>
+            <a:pPr lvl="1"/>
+            <a:r>
+              <a:rPr lang="fr-FR" dirty="0" smtClean="0"/>
+              <a:t>Dégrader la solution pour l’améliorer ensuite</a:t>
+            </a:r>
+          </a:p>
+          <a:p>
+            <a:pPr lvl="1"/>
+            <a:r>
+              <a:rPr lang="fr-FR" dirty="0" smtClean="0"/>
+              <a:t>Liste tabou (de 15 places)</a:t>
+            </a:r>
+          </a:p>
+          <a:p>
+            <a:pPr lvl="1"/>
+            <a:r>
+              <a:rPr lang="fr-FR" dirty="0" smtClean="0"/>
+              <a:t>3000 itérations sans amélioration pour stop</a:t>
             </a:r>
             <a:endParaRPr lang="en-GB" dirty="0"/>
           </a:p>
@@ -13789,7 +14436,24 @@
           <a:bodyPr/>
           <a:lstStyle/>
           <a:p>
-            <a:endParaRPr lang="en-GB"/>
+            <a:r>
+              <a:rPr lang="fr-FR" dirty="0" smtClean="0"/>
+              <a:t>Fuites mémoires</a:t>
+            </a:r>
+          </a:p>
+          <a:p>
+            <a:r>
+              <a:rPr lang="fr-FR" dirty="0" smtClean="0"/>
+              <a:t>Programme récursif</a:t>
+            </a:r>
+          </a:p>
+          <a:p>
+            <a:pPr marL="1257300"/>
+            <a:r>
+              <a:rPr lang="fr-FR" dirty="0" smtClean="0"/>
+              <a:t>Solution =&gt; Transformer le programme en programme itératif</a:t>
+            </a:r>
+            <a:endParaRPr lang="en-GB" dirty="0"/>
           </a:p>
         </p:txBody>
       </p:sp>
